--- a/2022-10-20-CDNUG-TheBackgroundOnBackgroundTasksInDotNet6/The Background on Background Tasks.pptx
+++ b/2022-10-20-CDNUG-TheBackgroundOnBackgroundTasksInDotNet6/The Background on Background Tasks.pptx
@@ -27623,6 +27623,23 @@
               </a:rPr>
               <a:t>Questions?</a:t>
             </a:r>
+            <a:br>
+              <a:rPr lang="en-US" sz="7200" dirty="0">
+                <a:solidFill>
+                  <a:schemeClr val="bg1"/>
+                </a:solidFill>
+                <a:latin typeface="+mn-lt"/>
+              </a:rPr>
+            </a:br>
+            <a:r>
+              <a:rPr lang="en-US" sz="1800" dirty="0">
+                <a:solidFill>
+                  <a:schemeClr val="bg1"/>
+                </a:solidFill>
+                <a:latin typeface="+mn-lt"/>
+              </a:rPr>
+              <a:t>Contact: ssauber@leantechniques.com</a:t>
+            </a:r>
           </a:p>
         </p:txBody>
       </p:sp>
